--- a/Lecture07_QualityCompetition/Slides_RA_QualityCompetition_2023W.pptx
+++ b/Lecture07_QualityCompetition/Slides_RA_QualityCompetition_2023W.pptx
@@ -244,7 +244,7 @@
           <a:p>
             <a:fld id="{EF911157-0FC2-4F06-8D61-FD647FE4E19D}" type="datetimeFigureOut">
               <a:rPr lang="en-US" smtClean="0"/>
-              <a:t>2/27/2023</a:t>
+              <a:t>2/7/2024</a:t>
             </a:fld>
             <a:endParaRPr lang="en-US"/>
           </a:p>
@@ -564,6 +564,10 @@
               <a:buFont typeface="Arial" panose="020B0604020202020204" pitchFamily="34" charset="0"/>
               <a:buNone/>
             </a:pPr>
+            <a:r>
+              <a:rPr lang="en-US"/>
+              <a:t>To add: https://repositorium.uminho.pt/bitstream/1822/79916/1/WP-07.2022.pdf</a:t>
+            </a:r>
             <a:endParaRPr lang="en-US" dirty="0"/>
           </a:p>
         </p:txBody>
@@ -4955,7 +4959,7 @@
             <a:fld id="{0972D05C-DCFB-4BB6-B49C-AC126BF3ED2C}" type="datetimeFigureOut">
               <a:rPr lang="en-US" smtClean="0"/>
               <a:pPr/>
-              <a:t>2/27/2023</a:t>
+              <a:t>2/7/2024</a:t>
             </a:fld>
             <a:endParaRPr lang="en-US"/>
           </a:p>
@@ -5185,7 +5189,7 @@
             <a:fld id="{0972D05C-DCFB-4BB6-B49C-AC126BF3ED2C}" type="datetimeFigureOut">
               <a:rPr lang="en-US" smtClean="0"/>
               <a:pPr/>
-              <a:t>2/27/2023</a:t>
+              <a:t>2/7/2024</a:t>
             </a:fld>
             <a:endParaRPr lang="en-US"/>
           </a:p>
@@ -5367,7 +5371,7 @@
             <a:fld id="{0972D05C-DCFB-4BB6-B49C-AC126BF3ED2C}" type="datetimeFigureOut">
               <a:rPr lang="en-US" smtClean="0"/>
               <a:pPr/>
-              <a:t>2/27/2023</a:t>
+              <a:t>2/7/2024</a:t>
             </a:fld>
             <a:endParaRPr lang="en-US"/>
           </a:p>
@@ -5599,7 +5603,7 @@
             </a:pPr>
             <a:fld id="{F1C7A666-2B6C-440A-B792-B724E1A281F5}" type="datetime1">
               <a:rPr lang="en-US" smtClean="0"/>
-              <a:t>2/27/2023</a:t>
+              <a:t>2/7/2024</a:t>
             </a:fld>
             <a:endParaRPr lang="en-US"/>
           </a:p>
@@ -5728,7 +5732,7 @@
             <a:fld id="{0972D05C-DCFB-4BB6-B49C-AC126BF3ED2C}" type="datetimeFigureOut">
               <a:rPr lang="en-US" smtClean="0"/>
               <a:pPr/>
-              <a:t>2/27/2023</a:t>
+              <a:t>2/7/2024</a:t>
             </a:fld>
             <a:endParaRPr lang="en-US"/>
           </a:p>
@@ -5984,7 +5988,7 @@
             <a:fld id="{0972D05C-DCFB-4BB6-B49C-AC126BF3ED2C}" type="datetimeFigureOut">
               <a:rPr lang="en-US" smtClean="0"/>
               <a:pPr/>
-              <a:t>2/27/2023</a:t>
+              <a:t>2/7/2024</a:t>
             </a:fld>
             <a:endParaRPr lang="en-US"/>
           </a:p>
@@ -6312,7 +6316,7 @@
             <a:fld id="{0972D05C-DCFB-4BB6-B49C-AC126BF3ED2C}" type="datetimeFigureOut">
               <a:rPr lang="en-US" smtClean="0"/>
               <a:pPr/>
-              <a:t>2/27/2023</a:t>
+              <a:t>2/7/2024</a:t>
             </a:fld>
             <a:endParaRPr lang="en-US"/>
           </a:p>
@@ -6765,7 +6769,7 @@
             <a:fld id="{0972D05C-DCFB-4BB6-B49C-AC126BF3ED2C}" type="datetimeFigureOut">
               <a:rPr lang="en-US" smtClean="0"/>
               <a:pPr/>
-              <a:t>2/27/2023</a:t>
+              <a:t>2/7/2024</a:t>
             </a:fld>
             <a:endParaRPr lang="en-US"/>
           </a:p>
@@ -6885,7 +6889,7 @@
             <a:fld id="{0972D05C-DCFB-4BB6-B49C-AC126BF3ED2C}" type="datetimeFigureOut">
               <a:rPr lang="en-US" smtClean="0"/>
               <a:pPr/>
-              <a:t>2/27/2023</a:t>
+              <a:t>2/7/2024</a:t>
             </a:fld>
             <a:endParaRPr lang="en-US"/>
           </a:p>
@@ -6982,7 +6986,7 @@
             <a:fld id="{0972D05C-DCFB-4BB6-B49C-AC126BF3ED2C}" type="datetimeFigureOut">
               <a:rPr lang="en-US" smtClean="0"/>
               <a:pPr/>
-              <a:t>2/27/2023</a:t>
+              <a:t>2/7/2024</a:t>
             </a:fld>
             <a:endParaRPr lang="en-US"/>
           </a:p>
@@ -7271,7 +7275,7 @@
             <a:fld id="{0972D05C-DCFB-4BB6-B49C-AC126BF3ED2C}" type="datetimeFigureOut">
               <a:rPr lang="en-US" smtClean="0"/>
               <a:pPr/>
-              <a:t>2/27/2023</a:t>
+              <a:t>2/7/2024</a:t>
             </a:fld>
             <a:endParaRPr lang="en-US"/>
           </a:p>
@@ -7595,7 +7599,7 @@
             <a:fld id="{0972D05C-DCFB-4BB6-B49C-AC126BF3ED2C}" type="datetimeFigureOut">
               <a:rPr lang="en-US" smtClean="0"/>
               <a:pPr/>
-              <a:t>2/27/2023</a:t>
+              <a:t>2/7/2024</a:t>
             </a:fld>
             <a:endParaRPr lang="en-US"/>
           </a:p>
@@ -7850,7 +7854,7 @@
             <a:fld id="{0972D05C-DCFB-4BB6-B49C-AC126BF3ED2C}" type="datetimeFigureOut">
               <a:rPr lang="en-US" smtClean="0"/>
               <a:pPr/>
-              <a:t>2/27/2023</a:t>
+              <a:t>2/7/2024</a:t>
             </a:fld>
             <a:endParaRPr lang="en-US" dirty="0"/>
           </a:p>

--- a/Lecture07_QualityCompetition/Slides_RA_QualityCompetition_2023W.pptx
+++ b/Lecture07_QualityCompetition/Slides_RA_QualityCompetition_2023W.pptx
@@ -244,7 +244,7 @@
           <a:p>
             <a:fld id="{EF911157-0FC2-4F06-8D61-FD647FE4E19D}" type="datetimeFigureOut">
               <a:rPr lang="en-US" smtClean="0"/>
-              <a:t>2/7/2024</a:t>
+              <a:t>3/6/2024</a:t>
             </a:fld>
             <a:endParaRPr lang="en-US"/>
           </a:p>
@@ -565,8 +565,50 @@
               <a:buNone/>
             </a:pPr>
             <a:r>
+              <a:rPr lang="en-US" dirty="0"/>
+              <a:t>**Make sure to chat about proposals, referee reports, presentations** </a:t>
+            </a:r>
+          </a:p>
+          <a:p>
+            <a:pPr marL="0" indent="0">
+              <a:buFont typeface="Arial" panose="020B0604020202020204" pitchFamily="34" charset="0"/>
+              <a:buNone/>
+            </a:pPr>
+            <a:r>
+              <a:rPr lang="en-US" dirty="0"/>
+              <a:t>Papers that would be good to include (pick one of the two for each lecture, depending on student interests): </a:t>
+            </a:r>
+          </a:p>
+          <a:p>
+            <a:pPr marL="171450" indent="-171450">
+              <a:buFont typeface="Arial" panose="020B0604020202020204" pitchFamily="34" charset="0"/>
+              <a:buChar char="•"/>
+            </a:pPr>
+            <a:r>
+              <a:rPr lang="en-US" dirty="0"/>
+              <a:t>Chandra, Dalton, and </a:t>
+            </a:r>
+            <a:r>
+              <a:rPr lang="en-US" dirty="0" err="1"/>
+              <a:t>Staiger</a:t>
+            </a:r>
+            <a:r>
+              <a:rPr lang="en-US" dirty="0"/>
+              <a:t>: “Are quality indicators causal?” – not theoretical but pretty novel empirical work that might be worth exploring</a:t>
+            </a:r>
+          </a:p>
+          <a:p>
+            <a:pPr marL="171450" lvl="0" indent="-171450">
+              <a:buFont typeface="Arial" panose="020B0604020202020204" pitchFamily="34" charset="0"/>
+              <a:buChar char="•"/>
+            </a:pPr>
+            <a:r>
+              <a:rPr lang="en-US" dirty="0"/>
+              <a:t>Esteves et al. </a:t>
+            </a:r>
+            <a:r>
               <a:rPr lang="en-US"/>
-              <a:t>To add: https://repositorium.uminho.pt/bitstream/1822/79916/1/WP-07.2022.pdf</a:t>
+              <a:t>“Quality discrimination in healthcare markets” </a:t>
             </a:r>
             <a:endParaRPr lang="en-US" dirty="0"/>
           </a:p>
@@ -908,21 +950,8 @@
           <a:p>
             <a:r>
               <a:rPr lang="en-US" dirty="0"/>
-              <a:t>Does not mean improvements on the algorithm are not </a:t>
+              <a:t>Does not mean improvements on the algorithm are not possible</a:t>
             </a:r>
-            <a:r>
-              <a:rPr lang="en-US" dirty="0" err="1"/>
-              <a:t>possibl.e</a:t>
-            </a:r>
-            <a:r>
-              <a:rPr lang="en-US" dirty="0"/>
-              <a:t> </a:t>
-            </a:r>
-            <a:r>
-              <a:rPr lang="en-US" b="1" dirty="0"/>
-              <a:t>Add Sen meme</a:t>
-            </a:r>
-            <a:endParaRPr lang="en-US" dirty="0"/>
           </a:p>
         </p:txBody>
       </p:sp>
@@ -1533,6 +1562,9 @@
               <a:t>Proposed Feb 21</a:t>
             </a:r>
           </a:p>
+          <a:p>
+            <a:endParaRPr lang="en-US" b="0" dirty="0"/>
+          </a:p>
         </p:txBody>
       </p:sp>
       <p:sp>
@@ -2405,7 +2437,15 @@
           <a:p>
             <a:r>
               <a:rPr lang="en-CA" dirty="0"/>
-              <a:t>Why can’t we simply pay providers m so that they do the appropriate amount? M is non-contractible – may be over-used (A1c’s, imaging – these might be good for some patients but can’t determine when provider is just over-using treatments)</a:t>
+              <a:t>Why can’t we simply pay providers m so that they do the appropriate amount? M is non-contractible – may be over-used (A1c’s, imaging – these might be good for some patients but can’t determine when provider is just over-using treatments; </a:t>
+            </a:r>
+            <a:r>
+              <a:rPr lang="en-CA" u="sng" dirty="0"/>
+              <a:t>iatrogenic harm</a:t>
+            </a:r>
+            <a:r>
+              <a:rPr lang="en-CA" dirty="0"/>
+              <a:t>)</a:t>
             </a:r>
           </a:p>
         </p:txBody>
@@ -3005,7 +3045,7 @@
                   <a:srgbClr val="FF0000"/>
                 </a:solidFill>
               </a:rPr>
-              <a:t>Goal of risk adjustment it to avoid making high cost patients unprofitable without paying per item costs</a:t>
+              <a:t>Goal of risk adjustment is to avoid making high-cost patients unprofitable without paying per item costs</a:t>
             </a:r>
           </a:p>
           <a:p>
@@ -3712,13 +3752,8 @@
           <a:p>
             <a:r>
               <a:rPr lang="en-CA" dirty="0"/>
-              <a:t>Use to cover general quality models (e.g., Ma and Burgess 1993?) and then move to frontier here. Do if </a:t>
+              <a:t>Use to cover general quality models (e.g., Ma and Burgess 1993?) and then move to frontier here. Do if there’s time. </a:t>
             </a:r>
-            <a:r>
-              <a:rPr lang="en-CA"/>
-              <a:t>there’s time. </a:t>
-            </a:r>
-            <a:endParaRPr lang="en-CA" dirty="0"/>
           </a:p>
         </p:txBody>
       </p:sp>
@@ -4959,7 +4994,7 @@
             <a:fld id="{0972D05C-DCFB-4BB6-B49C-AC126BF3ED2C}" type="datetimeFigureOut">
               <a:rPr lang="en-US" smtClean="0"/>
               <a:pPr/>
-              <a:t>2/7/2024</a:t>
+              <a:t>3/6/2024</a:t>
             </a:fld>
             <a:endParaRPr lang="en-US"/>
           </a:p>
@@ -5189,7 +5224,7 @@
             <a:fld id="{0972D05C-DCFB-4BB6-B49C-AC126BF3ED2C}" type="datetimeFigureOut">
               <a:rPr lang="en-US" smtClean="0"/>
               <a:pPr/>
-              <a:t>2/7/2024</a:t>
+              <a:t>3/6/2024</a:t>
             </a:fld>
             <a:endParaRPr lang="en-US"/>
           </a:p>
@@ -5371,7 +5406,7 @@
             <a:fld id="{0972D05C-DCFB-4BB6-B49C-AC126BF3ED2C}" type="datetimeFigureOut">
               <a:rPr lang="en-US" smtClean="0"/>
               <a:pPr/>
-              <a:t>2/7/2024</a:t>
+              <a:t>3/6/2024</a:t>
             </a:fld>
             <a:endParaRPr lang="en-US"/>
           </a:p>
@@ -5603,7 +5638,7 @@
             </a:pPr>
             <a:fld id="{F1C7A666-2B6C-440A-B792-B724E1A281F5}" type="datetime1">
               <a:rPr lang="en-US" smtClean="0"/>
-              <a:t>2/7/2024</a:t>
+              <a:t>3/6/2024</a:t>
             </a:fld>
             <a:endParaRPr lang="en-US"/>
           </a:p>
@@ -5732,7 +5767,7 @@
             <a:fld id="{0972D05C-DCFB-4BB6-B49C-AC126BF3ED2C}" type="datetimeFigureOut">
               <a:rPr lang="en-US" smtClean="0"/>
               <a:pPr/>
-              <a:t>2/7/2024</a:t>
+              <a:t>3/6/2024</a:t>
             </a:fld>
             <a:endParaRPr lang="en-US"/>
           </a:p>
@@ -5988,7 +6023,7 @@
             <a:fld id="{0972D05C-DCFB-4BB6-B49C-AC126BF3ED2C}" type="datetimeFigureOut">
               <a:rPr lang="en-US" smtClean="0"/>
               <a:pPr/>
-              <a:t>2/7/2024</a:t>
+              <a:t>3/6/2024</a:t>
             </a:fld>
             <a:endParaRPr lang="en-US"/>
           </a:p>
@@ -6316,7 +6351,7 @@
             <a:fld id="{0972D05C-DCFB-4BB6-B49C-AC126BF3ED2C}" type="datetimeFigureOut">
               <a:rPr lang="en-US" smtClean="0"/>
               <a:pPr/>
-              <a:t>2/7/2024</a:t>
+              <a:t>3/6/2024</a:t>
             </a:fld>
             <a:endParaRPr lang="en-US"/>
           </a:p>
@@ -6769,7 +6804,7 @@
             <a:fld id="{0972D05C-DCFB-4BB6-B49C-AC126BF3ED2C}" type="datetimeFigureOut">
               <a:rPr lang="en-US" smtClean="0"/>
               <a:pPr/>
-              <a:t>2/7/2024</a:t>
+              <a:t>3/6/2024</a:t>
             </a:fld>
             <a:endParaRPr lang="en-US"/>
           </a:p>
@@ -6889,7 +6924,7 @@
             <a:fld id="{0972D05C-DCFB-4BB6-B49C-AC126BF3ED2C}" type="datetimeFigureOut">
               <a:rPr lang="en-US" smtClean="0"/>
               <a:pPr/>
-              <a:t>2/7/2024</a:t>
+              <a:t>3/6/2024</a:t>
             </a:fld>
             <a:endParaRPr lang="en-US"/>
           </a:p>
@@ -6986,7 +7021,7 @@
             <a:fld id="{0972D05C-DCFB-4BB6-B49C-AC126BF3ED2C}" type="datetimeFigureOut">
               <a:rPr lang="en-US" smtClean="0"/>
               <a:pPr/>
-              <a:t>2/7/2024</a:t>
+              <a:t>3/6/2024</a:t>
             </a:fld>
             <a:endParaRPr lang="en-US"/>
           </a:p>
@@ -7275,7 +7310,7 @@
             <a:fld id="{0972D05C-DCFB-4BB6-B49C-AC126BF3ED2C}" type="datetimeFigureOut">
               <a:rPr lang="en-US" smtClean="0"/>
               <a:pPr/>
-              <a:t>2/7/2024</a:t>
+              <a:t>3/6/2024</a:t>
             </a:fld>
             <a:endParaRPr lang="en-US"/>
           </a:p>
@@ -7599,7 +7634,7 @@
             <a:fld id="{0972D05C-DCFB-4BB6-B49C-AC126BF3ED2C}" type="datetimeFigureOut">
               <a:rPr lang="en-US" smtClean="0"/>
               <a:pPr/>
-              <a:t>2/7/2024</a:t>
+              <a:t>3/6/2024</a:t>
             </a:fld>
             <a:endParaRPr lang="en-US"/>
           </a:p>
@@ -7854,7 +7889,7 @@
             <a:fld id="{0972D05C-DCFB-4BB6-B49C-AC126BF3ED2C}" type="datetimeFigureOut">
               <a:rPr lang="en-US" smtClean="0"/>
               <a:pPr/>
-              <a:t>2/7/2024</a:t>
+              <a:t>3/6/2024</a:t>
             </a:fld>
             <a:endParaRPr lang="en-US" dirty="0"/>
           </a:p>
@@ -8405,7 +8440,7 @@
           <a:p>
             <a:r>
               <a:rPr lang="en-US" sz="2400" dirty="0"/>
-              <a:t>March 1, 2023</a:t>
+              <a:t>March 6, 2024</a:t>
             </a:r>
           </a:p>
           <a:p>
@@ -31077,7 +31112,7 @@
                 </a14:m>
                 <a:r>
                   <a:rPr lang="en-US" sz="2400" dirty="0"/>
-                  <a:t> plans avoid high cost patients</a:t>
+                  <a:t> plans avoid high-cost patients</a:t>
                 </a:r>
               </a:p>
               <a:p>
@@ -31150,31 +31185,6 @@
           </p:sp>
         </mc:Fallback>
       </mc:AlternateContent>
-      <p:sp>
-        <p:nvSpPr>
-          <p:cNvPr id="3" name="Slide Number Placeholder 2"/>
-          <p:cNvSpPr>
-            <a:spLocks noGrp="1"/>
-          </p:cNvSpPr>
-          <p:nvPr>
-            <p:ph type="sldNum" sz="quarter" idx="12"/>
-          </p:nvPr>
-        </p:nvSpPr>
-        <p:spPr/>
-        <p:txBody>
-          <a:bodyPr>
-            <a:normAutofit lnSpcReduction="10000"/>
-          </a:bodyPr>
-          <a:lstStyle/>
-          <a:p>
-            <a:fld id="{8DB14760-3A3C-4E6C-9A3D-AF66CEFD0E40}" type="slidenum">
-              <a:rPr lang="en-US" smtClean="0"/>
-              <a:t>4</a:t>
-            </a:fld>
-            <a:endParaRPr lang="en-US"/>
-          </a:p>
-        </p:txBody>
-      </p:sp>
     </p:spTree>
     <p:extLst>
       <p:ext uri="{BB962C8B-B14F-4D97-AF65-F5344CB8AC3E}">
@@ -32587,6 +32597,13 @@
           </p:nvPr>
         </p:nvSpPr>
         <p:spPr/>
+        <p:txBody>
+          <a:bodyPr/>
+          <a:lstStyle/>
+          <a:p>
+            <a:endParaRPr lang="en-US"/>
+          </a:p>
+        </p:txBody>
       </p:sp>
       <p:pic>
         <p:nvPicPr>
@@ -33218,4 +33235,24 @@
     </a:ext>
   </a:extLst>
 </a:theme>
+</file>
+
+<file path=ppt/webextensions/taskpanes.xml><?xml version="1.0" encoding="utf-8"?>
+<wetp:taskpanes xmlns:wetp="http://schemas.microsoft.com/office/webextensions/taskpanes/2010/11">
+  <wetp:taskpane dockstate="right" visibility="0" width="525" row="0">
+    <wetp:webextensionref xmlns:r="http://schemas.openxmlformats.org/officeDocument/2006/relationships" r:id="rId1"/>
+  </wetp:taskpane>
+</wetp:taskpanes>
+</file>
+
+<file path=ppt/webextensions/webextension1.xml><?xml version="1.0" encoding="utf-8"?>
+<we:webextension xmlns:we="http://schemas.microsoft.com/office/webextensions/webextension/2010/11" id="{4C507839-16B9-4348-BB19-950614C522A0}">
+  <we:reference id="4b785c87-866c-4bad-85d8-5d1ae467ac9a" version="3.13.1.0" store="EXCatalog" storeType="EXCatalog"/>
+  <we:alternateReferences>
+    <we:reference id="WA104381909" version="3.13.1.0" store="en-CA" storeType="OMEX"/>
+  </we:alternateReferences>
+  <we:properties/>
+  <we:bindings/>
+  <we:snapshot xmlns:r="http://schemas.openxmlformats.org/officeDocument/2006/relationships"/>
+</we:webextension>
 </file>